--- a/PowerPoints/13 - Subprograms.pptx
+++ b/PowerPoints/13 - Subprograms.pptx
@@ -18,7 +18,7 @@
     <p:sldId id="371" r:id="rId6"/>
     <p:sldId id="326" r:id="rId7"/>
     <p:sldId id="374" r:id="rId8"/>
-    <p:sldId id="327" r:id="rId9"/>
+    <p:sldId id="385" r:id="rId9"/>
     <p:sldId id="281" r:id="rId10"/>
     <p:sldId id="294" r:id="rId11"/>
     <p:sldId id="301" r:id="rId12"/>
@@ -8086,20 +8086,6 @@
                 <a:latin typeface="Consolas" pitchFamily="49" charset="0"/>
                 <a:cs typeface="Consolas" pitchFamily="49" charset="0"/>
               </a:rPr>
-              <a:t>idToken</a:t>
-            </a:r>
-            <a:r>
-              <a:rPr lang="en-US" sz="1800" dirty="0">
-                <a:latin typeface="Consolas" pitchFamily="49" charset="0"/>
-                <a:cs typeface="Consolas" pitchFamily="49" charset="0"/>
-              </a:rPr>
-              <a:t> : Token, </a:t>
-            </a:r>
-            <a:r>
-              <a:rPr lang="en-US" sz="1800" dirty="0" err="1">
-                <a:latin typeface="Consolas" pitchFamily="49" charset="0"/>
-                <a:cs typeface="Consolas" pitchFamily="49" charset="0"/>
-              </a:rPr>
               <a:t>decl</a:t>
             </a:r>
             <a:r>
@@ -8393,7 +8379,7 @@
             </a:pPr>
             <a:r>
               <a:rPr lang="en-US" dirty="0"/>
-              <a:t>(arrays are always passed by reference)</a:t>
+              <a:t>(but recall that arrays are always passed by reference)</a:t>
             </a:r>
           </a:p>
           <a:p>
@@ -10054,14 +10040,20 @@
       </p:sp>
       <p:sp>
         <p:nvSpPr>
-          <p:cNvPr id="2" name="TextBox 1"/>
+          <p:cNvPr id="3" name="TextBox 2">
+            <a:extLst>
+              <a:ext uri="{FF2B5EF4-FFF2-40B4-BE49-F238E27FC236}">
+                <a16:creationId xmlns:a16="http://schemas.microsoft.com/office/drawing/2014/main" id="{8A4AC650-5037-0ED4-CD13-31A65BFC0030}"/>
+              </a:ext>
+            </a:extLst>
+          </p:cNvPr>
           <p:cNvSpPr txBox="1"/>
           <p:nvPr/>
         </p:nvSpPr>
         <p:spPr>
           <a:xfrm>
-            <a:off x="1189504" y="4953000"/>
-            <a:ext cx="6764993" cy="769441"/>
+            <a:off x="1234440" y="4953000"/>
+            <a:ext cx="6675120" cy="769441"/>
           </a:xfrm>
           <a:prstGeom prst="rect">
             <a:avLst/>
@@ -10089,7 +10081,7 @@
             <a:pPr algn="l"/>
             <a:r>
               <a:rPr lang="en-US" sz="2200" dirty="0"/>
-              <a:t> (activation record) is currently on the run-time stack.</a:t>
+              <a:t>(activation record) is currently on the run-time stack.</a:t>
             </a:r>
           </a:p>
         </p:txBody>
@@ -10584,15 +10576,7 @@
             </a:r>
             <a:r>
               <a:rPr lang="en-US" dirty="0"/>
-              <a:t>) parameter, a procedure call must emit code to leave the address of the actual parameter on the top of the stack. The actual parameter must be a variable, not </a:t>
-            </a:r>
-            <a:r>
-              <a:rPr lang="en-US"/>
-              <a:t>an expression</a:t>
-            </a:r>
-            <a:r>
-              <a:rPr lang="en-US" dirty="0"/>
-              <a:t>.</a:t>
+              <a:t>) parameter, a procedure call must emit code to leave the address of the actual parameter on the top of the stack. The actual parameter must be a variable, not an arbitrary expression.</a:t>
             </a:r>
             <a:endParaRPr lang="en-US" dirty="0">
               <a:latin typeface="Consolas" pitchFamily="49" charset="0"/>
@@ -10803,7 +10787,7 @@
             </a:r>
             <a:r>
               <a:rPr lang="en-US" dirty="0"/>
-              <a:t>) immediately before the call instruction is executed</a:t>
+              <a:t>) after the call instruction has been “fetched” but before it has been executed</a:t>
             </a:r>
           </a:p>
         </p:txBody>
@@ -13079,27 +13063,28 @@
           <a:bodyPr/>
           <a:lstStyle/>
           <a:p>
-            <a:pPr>
+            <a:pPr marL="91440" indent="0">
               <a:spcBef>
                 <a:spcPts val="1200"/>
               </a:spcBef>
+              <a:buNone/>
             </a:pPr>
             <a:r>
-              <a:rPr lang="en-US" sz="1850" dirty="0">
+              <a:rPr lang="en-US" sz="1900" dirty="0">
                 <a:latin typeface="Consolas" pitchFamily="49" charset="0"/>
                 <a:cs typeface="Consolas" pitchFamily="49" charset="0"/>
               </a:rPr>
               <a:t>private fun </a:t>
             </a:r>
             <a:r>
-              <a:rPr lang="en-US" sz="1850" dirty="0" err="1">
+              <a:rPr lang="en-US" sz="1900" dirty="0" err="1">
                 <a:latin typeface="Consolas" pitchFamily="49" charset="0"/>
                 <a:cs typeface="Consolas" pitchFamily="49" charset="0"/>
               </a:rPr>
               <a:t>parseSubprogramDecls</a:t>
             </a:r>
             <a:r>
-              <a:rPr lang="en-US" sz="1850" dirty="0">
+              <a:rPr lang="en-US" sz="1900" dirty="0">
                 <a:latin typeface="Consolas" pitchFamily="49" charset="0"/>
                 <a:cs typeface="Consolas" pitchFamily="49" charset="0"/>
               </a:rPr>
@@ -13107,27 +13092,28 @@
             </a:r>
           </a:p>
           <a:p>
-            <a:pPr>
+            <a:pPr marL="91440" indent="0">
               <a:spcBef>
                 <a:spcPts val="1200"/>
               </a:spcBef>
+              <a:buNone/>
             </a:pPr>
             <a:r>
-              <a:rPr lang="en-US" sz="1850" dirty="0">
+              <a:rPr lang="en-US" sz="1900" dirty="0">
                 <a:latin typeface="Consolas" pitchFamily="49" charset="0"/>
                 <a:cs typeface="Consolas" pitchFamily="49" charset="0"/>
               </a:rPr>
               <a:t>private fun </a:t>
             </a:r>
             <a:r>
-              <a:rPr lang="en-US" sz="1850" dirty="0" err="1">
+              <a:rPr lang="en-US" sz="1900" dirty="0" err="1">
                 <a:latin typeface="Consolas" pitchFamily="49" charset="0"/>
                 <a:cs typeface="Consolas" pitchFamily="49" charset="0"/>
               </a:rPr>
               <a:t>parseSubprogramDecl</a:t>
             </a:r>
             <a:r>
-              <a:rPr lang="en-US" sz="1850" dirty="0">
+              <a:rPr lang="en-US" sz="1900" dirty="0">
                 <a:latin typeface="Consolas" pitchFamily="49" charset="0"/>
                 <a:cs typeface="Consolas" pitchFamily="49" charset="0"/>
               </a:rPr>
@@ -13135,27 +13121,28 @@
             </a:r>
           </a:p>
           <a:p>
-            <a:pPr>
+            <a:pPr marL="91440" indent="0">
               <a:spcBef>
                 <a:spcPts val="1200"/>
               </a:spcBef>
+              <a:buNone/>
             </a:pPr>
             <a:r>
-              <a:rPr lang="en-US" sz="1850" dirty="0">
+              <a:rPr lang="en-US" sz="1900" dirty="0">
                 <a:latin typeface="Consolas" pitchFamily="49" charset="0"/>
                 <a:cs typeface="Consolas" pitchFamily="49" charset="0"/>
               </a:rPr>
               <a:t>private fun </a:t>
             </a:r>
             <a:r>
-              <a:rPr lang="en-US" sz="1850" dirty="0" err="1">
+              <a:rPr lang="en-US" sz="1900" dirty="0" err="1">
                 <a:latin typeface="Consolas" pitchFamily="49" charset="0"/>
                 <a:cs typeface="Consolas" pitchFamily="49" charset="0"/>
               </a:rPr>
               <a:t>parseProcedureDecl</a:t>
             </a:r>
             <a:r>
-              <a:rPr lang="en-US" sz="1850" dirty="0">
+              <a:rPr lang="en-US" sz="1900" dirty="0">
                 <a:latin typeface="Consolas" pitchFamily="49" charset="0"/>
                 <a:cs typeface="Consolas" pitchFamily="49" charset="0"/>
               </a:rPr>
@@ -13163,27 +13150,28 @@
             </a:r>
           </a:p>
           <a:p>
-            <a:pPr>
+            <a:pPr marL="91440" indent="0">
               <a:spcBef>
                 <a:spcPts val="1200"/>
               </a:spcBef>
+              <a:buNone/>
             </a:pPr>
             <a:r>
-              <a:rPr lang="en-US" sz="1850" dirty="0">
+              <a:rPr lang="en-US" sz="1900" dirty="0">
                 <a:latin typeface="Consolas" pitchFamily="49" charset="0"/>
                 <a:cs typeface="Consolas" pitchFamily="49" charset="0"/>
               </a:rPr>
               <a:t>private fun </a:t>
             </a:r>
             <a:r>
-              <a:rPr lang="en-US" sz="1850" dirty="0" err="1">
+              <a:rPr lang="en-US" sz="1900" dirty="0" err="1">
                 <a:latin typeface="Consolas" pitchFamily="49" charset="0"/>
                 <a:cs typeface="Consolas" pitchFamily="49" charset="0"/>
               </a:rPr>
               <a:t>parseFunctionDecl</a:t>
             </a:r>
             <a:r>
-              <a:rPr lang="en-US" sz="1850" dirty="0">
+              <a:rPr lang="en-US" sz="1900" dirty="0">
                 <a:latin typeface="Consolas" pitchFamily="49" charset="0"/>
                 <a:cs typeface="Consolas" pitchFamily="49" charset="0"/>
               </a:rPr>
@@ -13191,41 +13179,42 @@
             </a:r>
           </a:p>
           <a:p>
-            <a:pPr>
+            <a:pPr marL="91440" indent="0">
               <a:spcBef>
                 <a:spcPts val="1200"/>
               </a:spcBef>
+              <a:buNone/>
             </a:pPr>
             <a:r>
-              <a:rPr lang="en-US" sz="1850" dirty="0">
+              <a:rPr lang="en-US" sz="1900" dirty="0">
                 <a:latin typeface="Consolas" pitchFamily="49" charset="0"/>
                 <a:cs typeface="Consolas" pitchFamily="49" charset="0"/>
               </a:rPr>
               <a:t>private fun </a:t>
             </a:r>
             <a:r>
-              <a:rPr lang="en-US" sz="1850" dirty="0" err="1">
+              <a:rPr lang="en-US" sz="1900" dirty="0" err="1">
                 <a:latin typeface="Consolas" pitchFamily="49" charset="0"/>
                 <a:cs typeface="Consolas" pitchFamily="49" charset="0"/>
               </a:rPr>
               <a:t>parseFormalParameters</a:t>
             </a:r>
             <a:r>
-              <a:rPr lang="en-US" sz="1850" dirty="0">
+              <a:rPr lang="en-US" sz="1900" dirty="0">
                 <a:latin typeface="Consolas" pitchFamily="49" charset="0"/>
                 <a:cs typeface="Consolas" pitchFamily="49" charset="0"/>
               </a:rPr>
               <a:t>()  : List&lt;</a:t>
             </a:r>
             <a:r>
-              <a:rPr lang="en-US" sz="1850" dirty="0" err="1">
+              <a:rPr lang="en-US" sz="1900" dirty="0" err="1">
                 <a:latin typeface="Consolas" pitchFamily="49" charset="0"/>
                 <a:cs typeface="Consolas" pitchFamily="49" charset="0"/>
               </a:rPr>
               <a:t>ParameterDecl</a:t>
             </a:r>
             <a:r>
-              <a:rPr lang="en-US" sz="1850" dirty="0">
+              <a:rPr lang="en-US" sz="1900" dirty="0">
                 <a:latin typeface="Consolas" pitchFamily="49" charset="0"/>
                 <a:cs typeface="Consolas" pitchFamily="49" charset="0"/>
               </a:rPr>
@@ -13233,41 +13222,42 @@
             </a:r>
           </a:p>
           <a:p>
-            <a:pPr>
+            <a:pPr marL="91440" indent="0">
               <a:spcBef>
                 <a:spcPts val="1200"/>
               </a:spcBef>
+              <a:buNone/>
             </a:pPr>
             <a:r>
-              <a:rPr lang="en-US" sz="1850" dirty="0">
+              <a:rPr lang="en-US" sz="1900" dirty="0">
                 <a:latin typeface="Consolas" pitchFamily="49" charset="0"/>
                 <a:cs typeface="Consolas" pitchFamily="49" charset="0"/>
               </a:rPr>
               <a:t>private fun </a:t>
             </a:r>
             <a:r>
-              <a:rPr lang="en-US" sz="1850" dirty="0" err="1">
+              <a:rPr lang="en-US" sz="1900" dirty="0" err="1">
                 <a:latin typeface="Consolas" pitchFamily="49" charset="0"/>
                 <a:cs typeface="Consolas" pitchFamily="49" charset="0"/>
               </a:rPr>
               <a:t>parseParameterDecl</a:t>
             </a:r>
             <a:r>
-              <a:rPr lang="en-US" sz="1850" dirty="0">
+              <a:rPr lang="en-US" sz="1900" dirty="0">
                 <a:latin typeface="Consolas" pitchFamily="49" charset="0"/>
                 <a:cs typeface="Consolas" pitchFamily="49" charset="0"/>
               </a:rPr>
               <a:t>()     : </a:t>
             </a:r>
             <a:r>
-              <a:rPr lang="en-US" sz="1850" dirty="0" err="1">
+              <a:rPr lang="en-US" sz="1900" dirty="0" err="1">
                 <a:latin typeface="Consolas" pitchFamily="49" charset="0"/>
                 <a:cs typeface="Consolas" pitchFamily="49" charset="0"/>
               </a:rPr>
               <a:t>ParameterDecl</a:t>
             </a:r>
             <a:r>
-              <a:rPr lang="en-US" sz="1850" dirty="0">
+              <a:rPr lang="en-US" sz="1900" dirty="0">
                 <a:latin typeface="Consolas" pitchFamily="49" charset="0"/>
                 <a:cs typeface="Consolas" pitchFamily="49" charset="0"/>
               </a:rPr>
@@ -13275,27 +13265,28 @@
             </a:r>
           </a:p>
           <a:p>
-            <a:pPr>
+            <a:pPr marL="91440" indent="0">
               <a:spcBef>
                 <a:spcPts val="1200"/>
               </a:spcBef>
+              <a:buNone/>
             </a:pPr>
             <a:r>
-              <a:rPr lang="en-US" sz="1850" dirty="0">
+              <a:rPr lang="en-US" sz="1900" dirty="0">
                 <a:latin typeface="Consolas" pitchFamily="49" charset="0"/>
                 <a:cs typeface="Consolas" pitchFamily="49" charset="0"/>
               </a:rPr>
               <a:t>private fun </a:t>
             </a:r>
             <a:r>
-              <a:rPr lang="en-US" sz="1850" dirty="0" err="1">
+              <a:rPr lang="en-US" sz="1900" dirty="0" err="1">
                 <a:latin typeface="Consolas" pitchFamily="49" charset="0"/>
                 <a:cs typeface="Consolas" pitchFamily="49" charset="0"/>
               </a:rPr>
               <a:t>parseProcedureCallStmt</a:t>
             </a:r>
             <a:r>
-              <a:rPr lang="en-US" sz="1850" dirty="0">
+              <a:rPr lang="en-US" sz="1900" dirty="0">
                 <a:latin typeface="Consolas" pitchFamily="49" charset="0"/>
                 <a:cs typeface="Consolas" pitchFamily="49" charset="0"/>
               </a:rPr>
@@ -13303,40 +13294,41 @@
             </a:r>
           </a:p>
           <a:p>
-            <a:pPr>
+            <a:pPr marL="91440" indent="0">
               <a:spcBef>
                 <a:spcPts val="1200"/>
               </a:spcBef>
+              <a:buNone/>
             </a:pPr>
             <a:r>
-              <a:rPr lang="en-US" sz="1850" dirty="0">
+              <a:rPr lang="en-US" sz="1900" dirty="0">
                 <a:latin typeface="Consolas" pitchFamily="49" charset="0"/>
                 <a:cs typeface="Consolas" pitchFamily="49" charset="0"/>
               </a:rPr>
               <a:t>private fun </a:t>
             </a:r>
             <a:r>
-              <a:rPr lang="en-US" sz="1850" dirty="0" err="1">
+              <a:rPr lang="en-US" sz="1900" dirty="0" err="1">
                 <a:latin typeface="Consolas" pitchFamily="49" charset="0"/>
                 <a:cs typeface="Consolas" pitchFamily="49" charset="0"/>
               </a:rPr>
               <a:t>parseExpressions</a:t>
             </a:r>
             <a:r>
-              <a:rPr lang="en-US" sz="1850" dirty="0">
+              <a:rPr lang="en-US" sz="1900" dirty="0">
                 <a:latin typeface="Consolas" pitchFamily="49" charset="0"/>
                 <a:cs typeface="Consolas" pitchFamily="49" charset="0"/>
               </a:rPr>
               <a:t>         : List&lt;Expression&gt;</a:t>
             </a:r>
             <a:br>
-              <a:rPr lang="en-US" sz="1850" dirty="0">
+              <a:rPr lang="en-US" sz="1900" dirty="0">
                 <a:latin typeface="Consolas" pitchFamily="49" charset="0"/>
                 <a:cs typeface="Consolas" pitchFamily="49" charset="0"/>
               </a:rPr>
             </a:br>
             <a:r>
-              <a:rPr lang="en-US" sz="1850" dirty="0">
+              <a:rPr lang="en-US" sz="1900" dirty="0">
                 <a:latin typeface="Consolas" pitchFamily="49" charset="0"/>
                 <a:cs typeface="Consolas" pitchFamily="49" charset="0"/>
               </a:rPr>
@@ -13344,27 +13336,28 @@
             </a:r>
           </a:p>
           <a:p>
-            <a:pPr>
+            <a:pPr marL="91440" indent="0">
               <a:spcBef>
                 <a:spcPts val="1200"/>
               </a:spcBef>
+              <a:buNone/>
             </a:pPr>
             <a:r>
-              <a:rPr lang="en-US" sz="1850" dirty="0">
+              <a:rPr lang="en-US" sz="1900" dirty="0">
                 <a:latin typeface="Consolas" pitchFamily="49" charset="0"/>
                 <a:cs typeface="Consolas" pitchFamily="49" charset="0"/>
               </a:rPr>
               <a:t>private fun </a:t>
             </a:r>
             <a:r>
-              <a:rPr lang="en-US" sz="1850" dirty="0" err="1">
+              <a:rPr lang="en-US" sz="1900" dirty="0" err="1">
                 <a:latin typeface="Consolas" pitchFamily="49" charset="0"/>
                 <a:cs typeface="Consolas" pitchFamily="49" charset="0"/>
               </a:rPr>
               <a:t>parseReturnStmt</a:t>
             </a:r>
             <a:r>
-              <a:rPr lang="en-US" sz="1850" dirty="0">
+              <a:rPr lang="en-US" sz="1900" dirty="0">
                 <a:latin typeface="Consolas" pitchFamily="49" charset="0"/>
                 <a:cs typeface="Consolas" pitchFamily="49" charset="0"/>
               </a:rPr>
@@ -13372,27 +13365,28 @@
             </a:r>
           </a:p>
           <a:p>
-            <a:pPr>
+            <a:pPr marL="91440" indent="0">
               <a:spcBef>
                 <a:spcPts val="1200"/>
               </a:spcBef>
+              <a:buNone/>
             </a:pPr>
             <a:r>
-              <a:rPr lang="en-US" sz="1850" dirty="0">
+              <a:rPr lang="en-US" sz="1900" dirty="0">
                 <a:latin typeface="Consolas" pitchFamily="49" charset="0"/>
                 <a:cs typeface="Consolas" pitchFamily="49" charset="0"/>
               </a:rPr>
               <a:t>private fun </a:t>
             </a:r>
             <a:r>
-              <a:rPr lang="en-US" sz="1850" dirty="0" err="1">
+              <a:rPr lang="en-US" sz="1900" dirty="0" err="1">
                 <a:latin typeface="Consolas" pitchFamily="49" charset="0"/>
                 <a:cs typeface="Consolas" pitchFamily="49" charset="0"/>
               </a:rPr>
               <a:t>parseFunctionCallExpr</a:t>
             </a:r>
             <a:r>
-              <a:rPr lang="en-US" sz="1850" dirty="0">
+              <a:rPr lang="en-US" sz="1900" dirty="0">
                 <a:latin typeface="Consolas" pitchFamily="49" charset="0"/>
                 <a:cs typeface="Consolas" pitchFamily="49" charset="0"/>
               </a:rPr>
@@ -19549,6 +19543,33 @@
         <p:txBody>
           <a:bodyPr tIns="91440"/>
           <a:lstStyle/>
+          <a:p>
+            <a:pPr marL="274320" indent="0">
+              <a:spcBef>
+                <a:spcPts val="100"/>
+              </a:spcBef>
+              <a:buFontTx/>
+              <a:buNone/>
+            </a:pPr>
+            <a:r>
+              <a:rPr lang="en-US" sz="1800" dirty="0">
+                <a:latin typeface="Consolas" pitchFamily="49" charset="0"/>
+              </a:rPr>
+              <a:t>var x : Integer;</a:t>
+            </a:r>
+          </a:p>
+          <a:p>
+            <a:pPr marL="274320" indent="0">
+              <a:spcBef>
+                <a:spcPts val="100"/>
+              </a:spcBef>
+              <a:buFontTx/>
+              <a:buNone/>
+            </a:pPr>
+            <a:endParaRPr lang="en-US" sz="1800" dirty="0">
+              <a:latin typeface="Consolas" pitchFamily="49" charset="0"/>
+            </a:endParaRPr>
+          </a:p>
           <a:p>
             <a:pPr marL="274320" indent="0">
               <a:spcBef>
@@ -25917,14 +25938,14 @@
         <p:spPr>
           <a:xfrm>
             <a:off x="458787" y="1363663"/>
-            <a:ext cx="8503920" cy="4935537"/>
+            <a:ext cx="8321040" cy="4935537"/>
           </a:xfrm>
         </p:spPr>
         <p:txBody>
           <a:bodyPr tIns="91440"/>
           <a:lstStyle/>
           <a:p>
-            <a:pPr marL="182880" indent="0">
+            <a:pPr marL="0" indent="0">
               <a:spcBef>
                 <a:spcPts val="100"/>
               </a:spcBef>
@@ -25939,7 +25960,7 @@
             </a:r>
           </a:p>
           <a:p>
-            <a:pPr marL="182880" indent="0">
+            <a:pPr marL="0" indent="0">
               <a:spcBef>
                 <a:spcPts val="100"/>
               </a:spcBef>
@@ -25968,7 +25989,7 @@
             </a:r>
           </a:p>
           <a:p>
-            <a:pPr marL="182880" indent="0">
+            <a:pPr marL="0" indent="0">
               <a:spcBef>
                 <a:spcPts val="100"/>
               </a:spcBef>
@@ -25983,7 +26004,7 @@
             </a:r>
           </a:p>
           <a:p>
-            <a:pPr marL="182880" indent="0">
+            <a:pPr marL="0" indent="0">
               <a:spcBef>
                 <a:spcPts val="100"/>
               </a:spcBef>
@@ -26012,7 +26033,7 @@
             </a:r>
           </a:p>
           <a:p>
-            <a:pPr marL="182880" indent="0">
+            <a:pPr marL="0" indent="0">
               <a:spcBef>
                 <a:spcPts val="100"/>
               </a:spcBef>
@@ -26027,7 +26048,7 @@
             </a:r>
           </a:p>
           <a:p>
-            <a:pPr marL="182880" indent="0">
+            <a:pPr marL="0" indent="0">
               <a:spcBef>
                 <a:spcPts val="100"/>
               </a:spcBef>
@@ -26042,7 +26063,7 @@
             </a:r>
           </a:p>
           <a:p>
-            <a:pPr marL="182880" indent="0">
+            <a:pPr marL="0" indent="0">
               <a:spcBef>
                 <a:spcPts val="100"/>
               </a:spcBef>
@@ -26057,7 +26078,7 @@
             </a:r>
           </a:p>
           <a:p>
-            <a:pPr marL="182880" indent="0">
+            <a:pPr marL="0" indent="0">
               <a:spcBef>
                 <a:spcPts val="100"/>
               </a:spcBef>
@@ -26086,7 +26107,7 @@
             </a:r>
           </a:p>
           <a:p>
-            <a:pPr marL="182880" indent="0">
+            <a:pPr marL="0" indent="0">
               <a:spcBef>
                 <a:spcPts val="100"/>
               </a:spcBef>
@@ -26101,7 +26122,7 @@
             </a:r>
           </a:p>
           <a:p>
-            <a:pPr marL="182880" indent="0">
+            <a:pPr marL="0" indent="0">
               <a:spcBef>
                 <a:spcPts val="100"/>
               </a:spcBef>
@@ -26116,7 +26137,7 @@
             </a:r>
           </a:p>
           <a:p>
-            <a:pPr marL="182880" indent="0">
+            <a:pPr marL="0" indent="0">
               <a:spcBef>
                 <a:spcPts val="100"/>
               </a:spcBef>
@@ -26131,7 +26152,7 @@
             </a:r>
           </a:p>
           <a:p>
-            <a:pPr marL="182880" indent="0">
+            <a:pPr marL="0" indent="0">
               <a:spcBef>
                 <a:spcPts val="100"/>
               </a:spcBef>
@@ -26174,7 +26195,7 @@
             </a:r>
           </a:p>
           <a:p>
-            <a:pPr marL="182880" indent="0">
+            <a:pPr marL="0" indent="0">
               <a:spcBef>
                 <a:spcPts val="100"/>
               </a:spcBef>
@@ -26189,7 +26210,7 @@
             </a:r>
           </a:p>
           <a:p>
-            <a:pPr marL="182880" indent="0">
+            <a:pPr marL="0" indent="0">
               <a:spcBef>
                 <a:spcPts val="100"/>
               </a:spcBef>
@@ -26232,7 +26253,7 @@
             </a:r>
           </a:p>
           <a:p>
-            <a:pPr marL="182880" indent="0">
+            <a:pPr marL="0" indent="0">
               <a:spcBef>
                 <a:spcPts val="100"/>
               </a:spcBef>
@@ -26247,7 +26268,7 @@
             </a:r>
           </a:p>
           <a:p>
-            <a:pPr marL="182880" indent="0">
+            <a:pPr marL="0" indent="0">
               <a:spcBef>
                 <a:spcPts val="100"/>
               </a:spcBef>
@@ -26565,7 +26586,7 @@
             </a:r>
             <a:r>
               <a:rPr lang="en-US" dirty="0"/>
-              <a:t> instruction of the subprogram allocates space on the stack for the subprogram’s local variables.</a:t>
+              <a:t> instruction of the called subprogram allocates space on the stack for the subprogram’s local variables.</a:t>
             </a:r>
           </a:p>
         </p:txBody>
@@ -28373,7 +28394,7 @@
           <a:p>
             <a:r>
               <a:rPr lang="en-US" sz="2300" dirty="0"/>
-              <a:t>Use with subprograms is similar to the use of </a:t>
+              <a:t>Its use with subprograms is similar to the use of </a:t>
             </a:r>
             <a:r>
               <a:rPr lang="en-US" sz="2300" dirty="0">
@@ -28743,6 +28764,33 @@
         <p:txBody>
           <a:bodyPr tIns="91440"/>
           <a:lstStyle/>
+          <a:p>
+            <a:pPr marL="274320" indent="0">
+              <a:spcBef>
+                <a:spcPts val="100"/>
+              </a:spcBef>
+              <a:buFontTx/>
+              <a:buNone/>
+            </a:pPr>
+            <a:r>
+              <a:rPr lang="en-US" sz="1800" dirty="0">
+                <a:latin typeface="Consolas" pitchFamily="49" charset="0"/>
+              </a:rPr>
+              <a:t>var x : Integer;</a:t>
+            </a:r>
+          </a:p>
+          <a:p>
+            <a:pPr marL="274320" indent="0">
+              <a:spcBef>
+                <a:spcPts val="100"/>
+              </a:spcBef>
+              <a:buFontTx/>
+              <a:buNone/>
+            </a:pPr>
+            <a:endParaRPr lang="en-US" sz="1800" dirty="0">
+              <a:latin typeface="Consolas" pitchFamily="49" charset="0"/>
+            </a:endParaRPr>
+          </a:p>
           <a:p>
             <a:pPr marL="274320" indent="0">
               <a:spcBef>
@@ -31897,7 +31945,7 @@
         <p:spPr>
           <a:xfrm>
             <a:off x="458788" y="1363663"/>
-            <a:ext cx="8412480" cy="4935537"/>
+            <a:ext cx="8229600" cy="4935537"/>
           </a:xfrm>
         </p:spPr>
         <p:txBody>
@@ -36025,14 +36073,14 @@
         <p:spPr>
           <a:xfrm>
             <a:off x="458786" y="1363663"/>
-            <a:ext cx="8456613" cy="4935537"/>
+            <a:ext cx="8229600" cy="4935537"/>
           </a:xfrm>
         </p:spPr>
         <p:txBody>
           <a:bodyPr/>
           <a:lstStyle/>
           <a:p>
-            <a:pPr marL="91440" indent="0">
+            <a:pPr marL="182880" indent="0">
               <a:spcBef>
                 <a:spcPts val="0"/>
               </a:spcBef>
@@ -36044,11 +36092,11 @@
                 <a:latin typeface="Consolas" pitchFamily="49" charset="0"/>
                 <a:cs typeface="Consolas" pitchFamily="49" charset="0"/>
               </a:rPr>
-              <a:t>var x : Integer;       // scope level of declaration is GLOBAL</a:t>
-            </a:r>
-          </a:p>
-          <a:p>
-            <a:pPr marL="91440" indent="0">
+              <a:t>var x : Integer;       // scope level of x is GLOBAL</a:t>
+            </a:r>
+          </a:p>
+          <a:p>
+            <a:pPr marL="182880" indent="0">
               <a:spcBef>
                 <a:spcPts val="0"/>
               </a:spcBef>
@@ -36060,11 +36108,11 @@
                 <a:latin typeface="Consolas" pitchFamily="49" charset="0"/>
                 <a:cs typeface="Consolas" pitchFamily="49" charset="0"/>
               </a:rPr>
-              <a:t>var y : Integer;       // scope level of declaration is GLOBAL</a:t>
-            </a:r>
-          </a:p>
-          <a:p>
-            <a:pPr marL="91440" indent="0">
+              <a:t>var y : Integer;       // scope level of y is GLOBAL</a:t>
+            </a:r>
+          </a:p>
+          <a:p>
+            <a:pPr marL="182880" indent="0">
               <a:spcBef>
                 <a:spcPts val="0"/>
               </a:spcBef>
@@ -36077,7 +36125,7 @@
             </a:endParaRPr>
           </a:p>
           <a:p>
-            <a:pPr marL="91440" indent="0">
+            <a:pPr marL="182880" indent="0">
               <a:spcBef>
                 <a:spcPts val="0"/>
               </a:spcBef>
@@ -36089,11 +36137,11 @@
                 <a:latin typeface="Consolas" pitchFamily="49" charset="0"/>
                 <a:cs typeface="Consolas" pitchFamily="49" charset="0"/>
               </a:rPr>
-              <a:t>proc p()               // scope level of declaration is GLOBAL</a:t>
-            </a:r>
-          </a:p>
-          <a:p>
-            <a:pPr marL="91440" indent="0">
+              <a:t>proc p(n : Integer)    // scope level of p is GLOBAL</a:t>
+            </a:r>
+          </a:p>
+          <a:p>
+            <a:pPr marL="182880" indent="0">
               <a:spcBef>
                 <a:spcPts val="0"/>
               </a:spcBef>
@@ -36105,11 +36153,11 @@
                 <a:latin typeface="Consolas" pitchFamily="49" charset="0"/>
                 <a:cs typeface="Consolas" pitchFamily="49" charset="0"/>
               </a:rPr>
-              <a:t>  {</a:t>
-            </a:r>
-          </a:p>
-          <a:p>
-            <a:pPr marL="91440" indent="0">
+              <a:t>  {                    // scope level of n is LOCAL</a:t>
+            </a:r>
+          </a:p>
+          <a:p>
+            <a:pPr marL="182880" indent="0">
               <a:spcBef>
                 <a:spcPts val="0"/>
               </a:spcBef>
@@ -36121,11 +36169,11 @@
                 <a:latin typeface="Consolas" pitchFamily="49" charset="0"/>
                 <a:cs typeface="Consolas" pitchFamily="49" charset="0"/>
               </a:rPr>
-              <a:t>    var x : Integer;   // scope level of declaration is LOCAL</a:t>
-            </a:r>
-          </a:p>
-          <a:p>
-            <a:pPr marL="91440" indent="0">
+              <a:t>    var x : Integer;   // scope level of x is LOCAL</a:t>
+            </a:r>
+          </a:p>
+          <a:p>
+            <a:pPr marL="182880" indent="0">
               <a:spcBef>
                 <a:spcPts val="0"/>
               </a:spcBef>
@@ -36141,7 +36189,7 @@
             </a:r>
           </a:p>
           <a:p>
-            <a:pPr marL="91440" indent="0">
+            <a:pPr marL="182880" indent="0">
               <a:spcBef>
                 <a:spcPts val="0"/>
               </a:spcBef>
@@ -36157,7 +36205,7 @@
             </a:r>
           </a:p>
           <a:p>
-            <a:pPr marL="91440" indent="0">
+            <a:pPr marL="182880" indent="0">
               <a:spcBef>
                 <a:spcPts val="0"/>
               </a:spcBef>
@@ -36173,7 +36221,7 @@
             </a:r>
           </a:p>
           <a:p>
-            <a:pPr marL="91440" indent="0">
+            <a:pPr marL="182880" indent="0">
               <a:spcBef>
                 <a:spcPts val="0"/>
               </a:spcBef>
@@ -36186,7 +36234,7 @@
             </a:endParaRPr>
           </a:p>
           <a:p>
-            <a:pPr marL="91440" indent="0">
+            <a:pPr marL="182880" indent="0">
               <a:spcBef>
                 <a:spcPts val="0"/>
               </a:spcBef>
@@ -36198,11 +36246,11 @@
                 <a:latin typeface="Consolas" pitchFamily="49" charset="0"/>
                 <a:cs typeface="Consolas" pitchFamily="49" charset="0"/>
               </a:rPr>
-              <a:t>proc main()</a:t>
-            </a:r>
-          </a:p>
-          <a:p>
-            <a:pPr marL="91440" indent="0">
+              <a:t>proc main()            // scope level of main is GLOBAL</a:t>
+            </a:r>
+          </a:p>
+          <a:p>
+            <a:pPr marL="182880" indent="0">
               <a:spcBef>
                 <a:spcPts val="0"/>
               </a:spcBef>
@@ -36218,7 +36266,7 @@
             </a:r>
           </a:p>
           <a:p>
-            <a:pPr marL="91440" indent="0">
+            <a:pPr marL="182880" indent="0">
               <a:spcBef>
                 <a:spcPts val="0"/>
               </a:spcBef>
@@ -36230,11 +36278,11 @@
                 <a:latin typeface="Consolas" pitchFamily="49" charset="0"/>
                 <a:cs typeface="Consolas" pitchFamily="49" charset="0"/>
               </a:rPr>
-              <a:t>    var y : Integer;   // scope level of declaration is LOGAL</a:t>
-            </a:r>
-          </a:p>
-          <a:p>
-            <a:pPr marL="91440" indent="0">
+              <a:t>    var y : Integer;   // scope level of y is LOCAL</a:t>
+            </a:r>
+          </a:p>
+          <a:p>
+            <a:pPr marL="182880" indent="0">
               <a:spcBef>
                 <a:spcPts val="0"/>
               </a:spcBef>
@@ -36250,7 +36298,7 @@
             </a:r>
           </a:p>
           <a:p>
-            <a:pPr marL="91440" indent="0">
+            <a:pPr marL="182880" indent="0">
               <a:spcBef>
                 <a:spcPts val="0"/>
               </a:spcBef>
@@ -36266,7 +36314,7 @@
             </a:r>
           </a:p>
           <a:p>
-            <a:pPr marL="91440" indent="0">
+            <a:pPr marL="182880" indent="0">
               <a:spcBef>
                 <a:spcPts val="0"/>
               </a:spcBef>
@@ -36278,11 +36326,11 @@
                 <a:latin typeface="Consolas" pitchFamily="49" charset="0"/>
                 <a:cs typeface="Consolas" pitchFamily="49" charset="0"/>
               </a:rPr>
-              <a:t>    ... p() ...        // p was declared at GLOBAL scope  </a:t>
-            </a:r>
-          </a:p>
-          <a:p>
-            <a:pPr marL="91440" indent="0">
+              <a:t>    ... p(5) ...       // p was declared at GLOBAL scope  </a:t>
+            </a:r>
+          </a:p>
+          <a:p>
+            <a:pPr marL="182880" indent="0">
               <a:spcBef>
                 <a:spcPts val="0"/>
               </a:spcBef>
@@ -36298,7 +36346,7 @@
             </a:r>
           </a:p>
           <a:p>
-            <a:pPr marL="91440" indent="0">
+            <a:pPr marL="182880" indent="0">
               <a:spcBef>
                 <a:spcPts val="0"/>
               </a:spcBef>
@@ -36373,7 +36421,7 @@
     </p:spTree>
     <p:extLst>
       <p:ext uri="{BB962C8B-B14F-4D97-AF65-F5344CB8AC3E}">
-        <p14:creationId xmlns:p14="http://schemas.microsoft.com/office/powerpoint/2010/main" val="3469753587"/>
+        <p14:creationId xmlns:p14="http://schemas.microsoft.com/office/powerpoint/2010/main" val="2456199476"/>
       </p:ext>
     </p:extLst>
   </p:cSld>

--- a/PowerPoints/13 - Subprograms.pptx
+++ b/PowerPoints/13 - Subprograms.pptx
@@ -9782,7 +9782,7 @@
           <a:lstStyle/>
           <a:p>
             <a:r>
-              <a:rPr lang="en-US"/>
+              <a:rPr lang="en-US" dirty="0"/>
               <a:t>Subprograms</a:t>
             </a:r>
           </a:p>
@@ -10211,7 +10211,11 @@
           <a:p>
             <a:r>
               <a:rPr lang="en-US" dirty="0"/>
-              <a:t>An activation record is a run-time structure for each currently active subprogram.  A new activation record is created every time a subprogram is called.</a:t>
+              <a:t>An activation record is a run-time structure for each currently active subprogram.  </a:t>
+            </a:r>
+            <a:r>
+              <a:rPr lang="en-US" b="1" dirty="0"/>
+              <a:t>A new activation record is created every time a subprogram is called.</a:t>
             </a:r>
           </a:p>
           <a:p>
@@ -10245,7 +10249,23 @@
             <a:pPr lvl="2"/>
             <a:r>
               <a:rPr lang="en-US" dirty="0"/>
-              <a:t>saved values for PC and BP</a:t>
+              <a:t>saved values for </a:t>
+            </a:r>
+            <a:r>
+              <a:rPr lang="en-US" dirty="0">
+                <a:latin typeface="Consolas" panose="020B0609020204030204" pitchFamily="49" charset="0"/>
+              </a:rPr>
+              <a:t>PC</a:t>
+            </a:r>
+            <a:r>
+              <a:rPr lang="en-US" dirty="0"/>
+              <a:t> and </a:t>
+            </a:r>
+            <a:r>
+              <a:rPr lang="en-US" dirty="0">
+                <a:latin typeface="Consolas" panose="020B0609020204030204" pitchFamily="49" charset="0"/>
+              </a:rPr>
+              <a:t>BP</a:t>
             </a:r>
           </a:p>
           <a:p>
@@ -13058,16 +13078,20 @@
             <p:ph idx="1"/>
           </p:nvPr>
         </p:nvSpPr>
-        <p:spPr/>
+        <p:spPr>
+          <a:xfrm>
+            <a:off x="381000" y="1363663"/>
+            <a:ext cx="8503920" cy="4935537"/>
+          </a:xfrm>
+        </p:spPr>
         <p:txBody>
           <a:bodyPr/>
           <a:lstStyle/>
           <a:p>
-            <a:pPr marL="91440" indent="0">
+            <a:pPr marL="434340">
               <a:spcBef>
                 <a:spcPts val="1200"/>
               </a:spcBef>
-              <a:buNone/>
             </a:pPr>
             <a:r>
               <a:rPr lang="en-US" sz="1900" dirty="0">
@@ -13092,11 +13116,10 @@
             </a:r>
           </a:p>
           <a:p>
-            <a:pPr marL="91440" indent="0">
+            <a:pPr marL="434340">
               <a:spcBef>
                 <a:spcPts val="1200"/>
               </a:spcBef>
-              <a:buNone/>
             </a:pPr>
             <a:r>
               <a:rPr lang="en-US" sz="1900" dirty="0">
@@ -13121,11 +13144,10 @@
             </a:r>
           </a:p>
           <a:p>
-            <a:pPr marL="91440" indent="0">
+            <a:pPr marL="434340">
               <a:spcBef>
                 <a:spcPts val="1200"/>
               </a:spcBef>
-              <a:buNone/>
             </a:pPr>
             <a:r>
               <a:rPr lang="en-US" sz="1900" dirty="0">
@@ -13150,11 +13172,10 @@
             </a:r>
           </a:p>
           <a:p>
-            <a:pPr marL="91440" indent="0">
+            <a:pPr marL="434340">
               <a:spcBef>
                 <a:spcPts val="1200"/>
               </a:spcBef>
-              <a:buNone/>
             </a:pPr>
             <a:r>
               <a:rPr lang="en-US" sz="1900" dirty="0">
@@ -13179,11 +13200,10 @@
             </a:r>
           </a:p>
           <a:p>
-            <a:pPr marL="91440" indent="0">
+            <a:pPr marL="434340">
               <a:spcBef>
                 <a:spcPts val="1200"/>
               </a:spcBef>
-              <a:buNone/>
             </a:pPr>
             <a:r>
               <a:rPr lang="en-US" sz="1900" dirty="0">
@@ -13222,11 +13242,10 @@
             </a:r>
           </a:p>
           <a:p>
-            <a:pPr marL="91440" indent="0">
+            <a:pPr marL="434340">
               <a:spcBef>
                 <a:spcPts val="1200"/>
               </a:spcBef>
-              <a:buNone/>
             </a:pPr>
             <a:r>
               <a:rPr lang="en-US" sz="1900" dirty="0">
@@ -13265,11 +13284,10 @@
             </a:r>
           </a:p>
           <a:p>
-            <a:pPr marL="91440" indent="0">
+            <a:pPr marL="434340">
               <a:spcBef>
                 <a:spcPts val="1200"/>
               </a:spcBef>
-              <a:buNone/>
             </a:pPr>
             <a:r>
               <a:rPr lang="en-US" sz="1900" dirty="0">
@@ -13294,11 +13312,10 @@
             </a:r>
           </a:p>
           <a:p>
-            <a:pPr marL="91440" indent="0">
+            <a:pPr marL="434340">
               <a:spcBef>
                 <a:spcPts val="1200"/>
               </a:spcBef>
-              <a:buNone/>
             </a:pPr>
             <a:r>
               <a:rPr lang="en-US" sz="1900" dirty="0">
@@ -13336,11 +13353,10 @@
             </a:r>
           </a:p>
           <a:p>
-            <a:pPr marL="91440" indent="0">
+            <a:pPr marL="434340">
               <a:spcBef>
                 <a:spcPts val="1200"/>
               </a:spcBef>
-              <a:buNone/>
             </a:pPr>
             <a:r>
               <a:rPr lang="en-US" sz="1900" dirty="0">
@@ -13365,11 +13381,10 @@
             </a:r>
           </a:p>
           <a:p>
-            <a:pPr marL="91440" indent="0">
+            <a:pPr marL="434340">
               <a:spcBef>
                 <a:spcPts val="1200"/>
               </a:spcBef>
-              <a:buNone/>
             </a:pPr>
             <a:r>
               <a:rPr lang="en-US" sz="1900" dirty="0">
@@ -35591,7 +35606,7 @@
                 <a:latin typeface="Consolas" pitchFamily="49" charset="0"/>
                 <a:cs typeface="Consolas" pitchFamily="49" charset="0"/>
               </a:rPr>
-              <a:t>ScopeLevel.PROGRAM</a:t>
+              <a:t>ScopeLevel.GLOBAL</a:t>
             </a:r>
             <a:r>
               <a:rPr lang="en-US" sz="1800" dirty="0">

--- a/PowerPoints/13 - Subprograms.pptx
+++ b/PowerPoints/13 - Subprograms.pptx
@@ -1,6 +1,6 @@
 
 <file path=ppt/presentation.xml><?xml version="1.0" encoding="utf-8"?>
-<p:presentation xmlns:a="http://schemas.openxmlformats.org/drawingml/2006/main" xmlns:r="http://schemas.openxmlformats.org/officeDocument/2006/relationships" xmlns:p="http://schemas.openxmlformats.org/presentationml/2006/main" saveSubsetFonts="1">
+<p:presentation xmlns:a="http://schemas.openxmlformats.org/drawingml/2006/main" xmlns:r="http://schemas.openxmlformats.org/officeDocument/2006/relationships" xmlns:p="http://schemas.openxmlformats.org/presentationml/2006/main" saveSubsetFonts="1" autoCompressPictures="0">
   <p:sldMasterIdLst>
     <p:sldMasterId id="2147483651" r:id="rId1"/>
   </p:sldMasterIdLst>
@@ -23,10 +23,10 @@
     <p:sldId id="294" r:id="rId11"/>
     <p:sldId id="301" r:id="rId12"/>
     <p:sldId id="302" r:id="rId13"/>
-    <p:sldId id="375" r:id="rId14"/>
+    <p:sldId id="333" r:id="rId14"/>
     <p:sldId id="369" r:id="rId15"/>
     <p:sldId id="376" r:id="rId16"/>
-    <p:sldId id="377" r:id="rId17"/>
+    <p:sldId id="280" r:id="rId17"/>
     <p:sldId id="334" r:id="rId18"/>
     <p:sldId id="378" r:id="rId19"/>
     <p:sldId id="379" r:id="rId20"/>
@@ -8360,7 +8360,7 @@
             <a:pPr lvl="1"/>
             <a:r>
               <a:rPr lang="en-US" dirty="0"/>
-              <a:t>Miscellaneous Rule: There should be no </a:t>
+              <a:t>Miscellaneous Rule: Function parameters cannot be declared as </a:t>
             </a:r>
             <a:r>
               <a:rPr lang="en-US" dirty="0">
@@ -8379,7 +8379,7 @@
             </a:pPr>
             <a:r>
               <a:rPr lang="en-US" dirty="0"/>
-              <a:t>(but recall that arrays are always passed by reference)</a:t>
+              <a:t>(However, array parameters are always passed by reference regardless of how they are declared, even for functions.)</a:t>
             </a:r>
           </a:p>
           <a:p>
@@ -8477,7 +8477,7 @@
     </p:spTree>
     <p:extLst>
       <p:ext uri="{BB962C8B-B14F-4D97-AF65-F5344CB8AC3E}">
-        <p14:creationId xmlns:p14="http://schemas.microsoft.com/office/powerpoint/2010/main" val="2132858452"/>
+        <p14:creationId xmlns:p14="http://schemas.microsoft.com/office/powerpoint/2010/main" val="2779538554"/>
       </p:ext>
     </p:extLst>
   </p:cSld>
@@ -9047,7 +9047,7 @@
             </a:pPr>
             <a:r>
               <a:rPr lang="en-US" dirty="0"/>
-              <a:t>Activation records</a:t>
+              <a:t>CVM instructions for subprograms</a:t>
             </a:r>
           </a:p>
           <a:p>
@@ -9058,7 +9058,7 @@
             </a:pPr>
             <a:r>
               <a:rPr lang="en-US" dirty="0"/>
-              <a:t>Variable addressing</a:t>
+              <a:t>Calling conventions; i.e., passing parameters and returning function values</a:t>
             </a:r>
           </a:p>
           <a:p>
@@ -9069,7 +9069,7 @@
             </a:pPr>
             <a:r>
               <a:rPr lang="en-US" dirty="0"/>
-              <a:t>Calling conventions; i.e., passing parameters and returning function values</a:t>
+              <a:t>Activation records</a:t>
             </a:r>
           </a:p>
           <a:p>
@@ -9080,7 +9080,7 @@
             </a:pPr>
             <a:r>
               <a:rPr lang="en-US" dirty="0"/>
-              <a:t>CVM instructions for subprograms</a:t>
+              <a:t>Variable addressing</a:t>
             </a:r>
           </a:p>
         </p:txBody>

--- a/PowerPoints/13 - Subprograms.pptx
+++ b/PowerPoints/13 - Subprograms.pptx
@@ -28011,7 +28011,15 @@
           <a:p>
             <a:r>
               <a:rPr lang="en-US" dirty="0"/>
-              <a:t>Similar to what we did global variables, we need to compute the relative address (offset) for each variable plus the total number of bytes of all variables for each subprogram.</a:t>
+              <a:t>Similar to what </a:t>
+            </a:r>
+            <a:r>
+              <a:rPr lang="en-US"/>
+              <a:t>we did for </a:t>
+            </a:r>
+            <a:r>
+              <a:rPr lang="en-US" dirty="0"/>
+              <a:t>global variables, we need to compute the relative address (offset) for each variable plus the total number of bytes of all variables for each subprogram.</a:t>
             </a:r>
           </a:p>
           <a:p>

--- a/PowerPoints/13 - Subprograms.pptx
+++ b/PowerPoints/13 - Subprograms.pptx
@@ -28011,11 +28011,11 @@
           <a:p>
             <a:r>
               <a:rPr lang="en-US" dirty="0"/>
-              <a:t>Similar to what </a:t>
+              <a:t>Similar to what we </a:t>
             </a:r>
             <a:r>
               <a:rPr lang="en-US"/>
-              <a:t>we did for </a:t>
+              <a:t>did for </a:t>
             </a:r>
             <a:r>
               <a:rPr lang="en-US" dirty="0"/>
@@ -34252,10 +34252,16 @@
           <a:lstStyle/>
           <a:p>
             <a:r>
+              <a:rPr lang="en-US" sz="2250">
+                <a:latin typeface="Consolas" panose="020B0609020204030204" pitchFamily="49" charset="0"/>
+              </a:rPr>
+              <a:t>LDLADDR </a:t>
+            </a:r>
+            <a:r>
               <a:rPr lang="en-US" sz="2250" dirty="0">
                 <a:latin typeface="Consolas" panose="020B0609020204030204" pitchFamily="49" charset="0"/>
               </a:rPr>
-              <a:t>LDDADDR -12</a:t>
+              <a:t>-12</a:t>
             </a:r>
             <a:br>
               <a:rPr lang="en-US" sz="2250" dirty="0">
